--- a/ppt 16-9/0432.爱传福音.pptx
+++ b/ppt 16-9/0432.爱传福音.pptx
@@ -5,7 +5,7 @@
     <p:sldMasterId id="2147483648" r:id="rId1"/>
   </p:sldMasterIdLst>
   <p:sldIdLst>
-    <p:sldId id="2914" r:id="rId2"/>
+    <p:sldId id="2915" r:id="rId2"/>
   </p:sldIdLst>
   <p:sldSz cx="12192000" cy="6858000"/>
   <p:notesSz cx="6858000" cy="9144000"/>
@@ -129,7 +129,7 @@
           <p:cNvPr id="2" name="标题 1">
             <a:extLst>
               <a:ext uri="{FF2B5EF4-FFF2-40B4-BE49-F238E27FC236}">
-                <a16:creationId xmlns:a16="http://schemas.microsoft.com/office/drawing/2014/main" id="{A83E2ECC-3F7C-EB56-7ADF-E3DEF5D88226}"/>
+                <a16:creationId xmlns:a16="http://schemas.microsoft.com/office/drawing/2014/main" id="{101877FF-7CB4-06F3-32C1-792A3638B1DA}"/>
               </a:ext>
             </a:extLst>
           </p:cNvPr>
@@ -166,7 +166,7 @@
           <p:cNvPr id="3" name="副标题 2">
             <a:extLst>
               <a:ext uri="{FF2B5EF4-FFF2-40B4-BE49-F238E27FC236}">
-                <a16:creationId xmlns:a16="http://schemas.microsoft.com/office/drawing/2014/main" id="{797BD4A8-3C43-F07E-CDE5-69E3C8274081}"/>
+                <a16:creationId xmlns:a16="http://schemas.microsoft.com/office/drawing/2014/main" id="{09CEC781-9DF9-5413-E7BB-C7597A542ADF}"/>
               </a:ext>
             </a:extLst>
           </p:cNvPr>
@@ -236,7 +236,7 @@
           <p:cNvPr id="4" name="日期占位符 3">
             <a:extLst>
               <a:ext uri="{FF2B5EF4-FFF2-40B4-BE49-F238E27FC236}">
-                <a16:creationId xmlns:a16="http://schemas.microsoft.com/office/drawing/2014/main" id="{34FFA5FE-2565-7A49-C22E-5F00D0EA4F1B}"/>
+                <a16:creationId xmlns:a16="http://schemas.microsoft.com/office/drawing/2014/main" id="{5A7F18C8-CE0E-B94B-10AF-F4909B1B4855}"/>
               </a:ext>
             </a:extLst>
           </p:cNvPr>
@@ -252,7 +252,7 @@
           <a:bodyPr/>
           <a:lstStyle/>
           <a:p>
-            <a:fld id="{9B5238CF-EC12-47C0-B55B-AD91DBC580A7}" type="datetimeFigureOut">
+            <a:fld id="{C1EB2599-6679-4F82-8205-9EA095C1738B}" type="datetimeFigureOut">
               <a:rPr lang="zh-CN" altLang="en-US" smtClean="0"/>
               <a:t>2024/3/10</a:t>
             </a:fld>
@@ -265,7 +265,7 @@
           <p:cNvPr id="5" name="页脚占位符 4">
             <a:extLst>
               <a:ext uri="{FF2B5EF4-FFF2-40B4-BE49-F238E27FC236}">
-                <a16:creationId xmlns:a16="http://schemas.microsoft.com/office/drawing/2014/main" id="{F0D53208-7E4A-78C1-11FB-31EE328D3552}"/>
+                <a16:creationId xmlns:a16="http://schemas.microsoft.com/office/drawing/2014/main" id="{3EF54FB9-CFA1-3B38-B688-285889DC2477}"/>
               </a:ext>
             </a:extLst>
           </p:cNvPr>
@@ -290,7 +290,7 @@
           <p:cNvPr id="6" name="灯片编号占位符 5">
             <a:extLst>
               <a:ext uri="{FF2B5EF4-FFF2-40B4-BE49-F238E27FC236}">
-                <a16:creationId xmlns:a16="http://schemas.microsoft.com/office/drawing/2014/main" id="{80BDD030-FDD4-49AE-9CE4-0F5F633D3C81}"/>
+                <a16:creationId xmlns:a16="http://schemas.microsoft.com/office/drawing/2014/main" id="{875F0D05-8C33-8619-FEBB-57F4909E6418}"/>
               </a:ext>
             </a:extLst>
           </p:cNvPr>
@@ -306,7 +306,7 @@
           <a:bodyPr/>
           <a:lstStyle/>
           <a:p>
-            <a:fld id="{396EBFD8-1769-4FA0-9237-9A55E88791A6}" type="slidenum">
+            <a:fld id="{6D944176-0804-4BFE-B13C-19A6ECF91734}" type="slidenum">
               <a:rPr lang="zh-CN" altLang="en-US" smtClean="0"/>
               <a:t>‹#›</a:t>
             </a:fld>
@@ -317,7 +317,7 @@
     </p:spTree>
     <p:extLst>
       <p:ext uri="{BB962C8B-B14F-4D97-AF65-F5344CB8AC3E}">
-        <p14:creationId xmlns:p14="http://schemas.microsoft.com/office/powerpoint/2010/main" val="3254798133"/>
+        <p14:creationId xmlns:p14="http://schemas.microsoft.com/office/powerpoint/2010/main" val="2931870783"/>
       </p:ext>
     </p:extLst>
   </p:cSld>
@@ -349,7 +349,7 @@
           <p:cNvPr id="2" name="标题 1">
             <a:extLst>
               <a:ext uri="{FF2B5EF4-FFF2-40B4-BE49-F238E27FC236}">
-                <a16:creationId xmlns:a16="http://schemas.microsoft.com/office/drawing/2014/main" id="{9EE0FEEC-4899-A42C-9AF5-66EB6C35529E}"/>
+                <a16:creationId xmlns:a16="http://schemas.microsoft.com/office/drawing/2014/main" id="{643217EE-341E-0FB2-C46E-F0766785BFCD}"/>
               </a:ext>
             </a:extLst>
           </p:cNvPr>
@@ -377,7 +377,7 @@
           <p:cNvPr id="3" name="竖排文字占位符 2">
             <a:extLst>
               <a:ext uri="{FF2B5EF4-FFF2-40B4-BE49-F238E27FC236}">
-                <a16:creationId xmlns:a16="http://schemas.microsoft.com/office/drawing/2014/main" id="{1F7EACFF-17AD-C196-60A6-7DAEB5554CA8}"/>
+                <a16:creationId xmlns:a16="http://schemas.microsoft.com/office/drawing/2014/main" id="{FA8EEF40-028A-3658-8AE0-E1295E5028EB}"/>
               </a:ext>
             </a:extLst>
           </p:cNvPr>
@@ -434,7 +434,7 @@
           <p:cNvPr id="4" name="日期占位符 3">
             <a:extLst>
               <a:ext uri="{FF2B5EF4-FFF2-40B4-BE49-F238E27FC236}">
-                <a16:creationId xmlns:a16="http://schemas.microsoft.com/office/drawing/2014/main" id="{D11DADF8-32B5-5002-2C9A-EC9FC22CA72F}"/>
+                <a16:creationId xmlns:a16="http://schemas.microsoft.com/office/drawing/2014/main" id="{BCCBCC20-1ED9-3E0E-141C-32084B957F53}"/>
               </a:ext>
             </a:extLst>
           </p:cNvPr>
@@ -450,7 +450,7 @@
           <a:bodyPr/>
           <a:lstStyle/>
           <a:p>
-            <a:fld id="{9B5238CF-EC12-47C0-B55B-AD91DBC580A7}" type="datetimeFigureOut">
+            <a:fld id="{C1EB2599-6679-4F82-8205-9EA095C1738B}" type="datetimeFigureOut">
               <a:rPr lang="zh-CN" altLang="en-US" smtClean="0"/>
               <a:t>2024/3/10</a:t>
             </a:fld>
@@ -463,7 +463,7 @@
           <p:cNvPr id="5" name="页脚占位符 4">
             <a:extLst>
               <a:ext uri="{FF2B5EF4-FFF2-40B4-BE49-F238E27FC236}">
-                <a16:creationId xmlns:a16="http://schemas.microsoft.com/office/drawing/2014/main" id="{802112CD-8BD2-A6AB-913D-A37F93F80AF9}"/>
+                <a16:creationId xmlns:a16="http://schemas.microsoft.com/office/drawing/2014/main" id="{9AD5E4C3-589F-A1A8-86D4-D841B43D2D7D}"/>
               </a:ext>
             </a:extLst>
           </p:cNvPr>
@@ -488,7 +488,7 @@
           <p:cNvPr id="6" name="灯片编号占位符 5">
             <a:extLst>
               <a:ext uri="{FF2B5EF4-FFF2-40B4-BE49-F238E27FC236}">
-                <a16:creationId xmlns:a16="http://schemas.microsoft.com/office/drawing/2014/main" id="{7314209B-7705-AA86-0894-F598B1F1C756}"/>
+                <a16:creationId xmlns:a16="http://schemas.microsoft.com/office/drawing/2014/main" id="{67751C01-2A64-16EC-DC74-987B96BDF71C}"/>
               </a:ext>
             </a:extLst>
           </p:cNvPr>
@@ -504,7 +504,7 @@
           <a:bodyPr/>
           <a:lstStyle/>
           <a:p>
-            <a:fld id="{396EBFD8-1769-4FA0-9237-9A55E88791A6}" type="slidenum">
+            <a:fld id="{6D944176-0804-4BFE-B13C-19A6ECF91734}" type="slidenum">
               <a:rPr lang="zh-CN" altLang="en-US" smtClean="0"/>
               <a:t>‹#›</a:t>
             </a:fld>
@@ -515,7 +515,7 @@
     </p:spTree>
     <p:extLst>
       <p:ext uri="{BB962C8B-B14F-4D97-AF65-F5344CB8AC3E}">
-        <p14:creationId xmlns:p14="http://schemas.microsoft.com/office/powerpoint/2010/main" val="2466630858"/>
+        <p14:creationId xmlns:p14="http://schemas.microsoft.com/office/powerpoint/2010/main" val="3677965041"/>
       </p:ext>
     </p:extLst>
   </p:cSld>
@@ -547,7 +547,7 @@
           <p:cNvPr id="2" name="竖排标题 1">
             <a:extLst>
               <a:ext uri="{FF2B5EF4-FFF2-40B4-BE49-F238E27FC236}">
-                <a16:creationId xmlns:a16="http://schemas.microsoft.com/office/drawing/2014/main" id="{93003B4A-400F-B642-EFDB-5A5B930C928D}"/>
+                <a16:creationId xmlns:a16="http://schemas.microsoft.com/office/drawing/2014/main" id="{DF11A0AF-590A-CB43-171E-CC8BBBD91A15}"/>
               </a:ext>
             </a:extLst>
           </p:cNvPr>
@@ -580,7 +580,7 @@
           <p:cNvPr id="3" name="竖排文字占位符 2">
             <a:extLst>
               <a:ext uri="{FF2B5EF4-FFF2-40B4-BE49-F238E27FC236}">
-                <a16:creationId xmlns:a16="http://schemas.microsoft.com/office/drawing/2014/main" id="{7F0EB4AF-1ABB-A994-5C0F-6E8550F2CDB8}"/>
+                <a16:creationId xmlns:a16="http://schemas.microsoft.com/office/drawing/2014/main" id="{DBD59CBF-B51E-6012-39B6-D6A0B7557186}"/>
               </a:ext>
             </a:extLst>
           </p:cNvPr>
@@ -642,7 +642,7 @@
           <p:cNvPr id="4" name="日期占位符 3">
             <a:extLst>
               <a:ext uri="{FF2B5EF4-FFF2-40B4-BE49-F238E27FC236}">
-                <a16:creationId xmlns:a16="http://schemas.microsoft.com/office/drawing/2014/main" id="{74432028-5916-3C50-CF6E-F343462CD5A6}"/>
+                <a16:creationId xmlns:a16="http://schemas.microsoft.com/office/drawing/2014/main" id="{C816F63E-4911-D7C1-522F-5C2B2C415307}"/>
               </a:ext>
             </a:extLst>
           </p:cNvPr>
@@ -658,7 +658,7 @@
           <a:bodyPr/>
           <a:lstStyle/>
           <a:p>
-            <a:fld id="{9B5238CF-EC12-47C0-B55B-AD91DBC580A7}" type="datetimeFigureOut">
+            <a:fld id="{C1EB2599-6679-4F82-8205-9EA095C1738B}" type="datetimeFigureOut">
               <a:rPr lang="zh-CN" altLang="en-US" smtClean="0"/>
               <a:t>2024/3/10</a:t>
             </a:fld>
@@ -671,7 +671,7 @@
           <p:cNvPr id="5" name="页脚占位符 4">
             <a:extLst>
               <a:ext uri="{FF2B5EF4-FFF2-40B4-BE49-F238E27FC236}">
-                <a16:creationId xmlns:a16="http://schemas.microsoft.com/office/drawing/2014/main" id="{E2BCEE57-D2AA-0E97-44D9-2856345C5286}"/>
+                <a16:creationId xmlns:a16="http://schemas.microsoft.com/office/drawing/2014/main" id="{F664EC12-C9A1-2C37-1065-E75BD78F7E85}"/>
               </a:ext>
             </a:extLst>
           </p:cNvPr>
@@ -696,7 +696,7 @@
           <p:cNvPr id="6" name="灯片编号占位符 5">
             <a:extLst>
               <a:ext uri="{FF2B5EF4-FFF2-40B4-BE49-F238E27FC236}">
-                <a16:creationId xmlns:a16="http://schemas.microsoft.com/office/drawing/2014/main" id="{9C0D2193-82DB-7F5F-33AF-16368A15FB59}"/>
+                <a16:creationId xmlns:a16="http://schemas.microsoft.com/office/drawing/2014/main" id="{5672B90C-DF00-8642-4DA1-D69820A89044}"/>
               </a:ext>
             </a:extLst>
           </p:cNvPr>
@@ -712,7 +712,7 @@
           <a:bodyPr/>
           <a:lstStyle/>
           <a:p>
-            <a:fld id="{396EBFD8-1769-4FA0-9237-9A55E88791A6}" type="slidenum">
+            <a:fld id="{6D944176-0804-4BFE-B13C-19A6ECF91734}" type="slidenum">
               <a:rPr lang="zh-CN" altLang="en-US" smtClean="0"/>
               <a:t>‹#›</a:t>
             </a:fld>
@@ -723,7 +723,7 @@
     </p:spTree>
     <p:extLst>
       <p:ext uri="{BB962C8B-B14F-4D97-AF65-F5344CB8AC3E}">
-        <p14:creationId xmlns:p14="http://schemas.microsoft.com/office/powerpoint/2010/main" val="3606031710"/>
+        <p14:creationId xmlns:p14="http://schemas.microsoft.com/office/powerpoint/2010/main" val="1533947272"/>
       </p:ext>
     </p:extLst>
   </p:cSld>
@@ -755,7 +755,7 @@
           <p:cNvPr id="2" name="标题 1">
             <a:extLst>
               <a:ext uri="{FF2B5EF4-FFF2-40B4-BE49-F238E27FC236}">
-                <a16:creationId xmlns:a16="http://schemas.microsoft.com/office/drawing/2014/main" id="{03B750EE-5209-1BE6-A7FD-EF3DAFA598AB}"/>
+                <a16:creationId xmlns:a16="http://schemas.microsoft.com/office/drawing/2014/main" id="{B8ED9B3F-C320-9288-B6B6-2638CEEA23E4}"/>
               </a:ext>
             </a:extLst>
           </p:cNvPr>
@@ -783,7 +783,7 @@
           <p:cNvPr id="3" name="内容占位符 2">
             <a:extLst>
               <a:ext uri="{FF2B5EF4-FFF2-40B4-BE49-F238E27FC236}">
-                <a16:creationId xmlns:a16="http://schemas.microsoft.com/office/drawing/2014/main" id="{5DC0ABBD-4A82-9CCD-2403-58427D613008}"/>
+                <a16:creationId xmlns:a16="http://schemas.microsoft.com/office/drawing/2014/main" id="{1161A51F-BDDC-73BC-3D63-1F8396B27596}"/>
               </a:ext>
             </a:extLst>
           </p:cNvPr>
@@ -840,7 +840,7 @@
           <p:cNvPr id="4" name="日期占位符 3">
             <a:extLst>
               <a:ext uri="{FF2B5EF4-FFF2-40B4-BE49-F238E27FC236}">
-                <a16:creationId xmlns:a16="http://schemas.microsoft.com/office/drawing/2014/main" id="{B2D50B10-F985-F9E7-499A-5B8CBD481208}"/>
+                <a16:creationId xmlns:a16="http://schemas.microsoft.com/office/drawing/2014/main" id="{275DD9AC-6E74-A9D8-F1A3-13C82E9B307A}"/>
               </a:ext>
             </a:extLst>
           </p:cNvPr>
@@ -856,7 +856,7 @@
           <a:bodyPr/>
           <a:lstStyle/>
           <a:p>
-            <a:fld id="{9B5238CF-EC12-47C0-B55B-AD91DBC580A7}" type="datetimeFigureOut">
+            <a:fld id="{C1EB2599-6679-4F82-8205-9EA095C1738B}" type="datetimeFigureOut">
               <a:rPr lang="zh-CN" altLang="en-US" smtClean="0"/>
               <a:t>2024/3/10</a:t>
             </a:fld>
@@ -869,7 +869,7 @@
           <p:cNvPr id="5" name="页脚占位符 4">
             <a:extLst>
               <a:ext uri="{FF2B5EF4-FFF2-40B4-BE49-F238E27FC236}">
-                <a16:creationId xmlns:a16="http://schemas.microsoft.com/office/drawing/2014/main" id="{C7819F47-4CB9-6BB7-9643-10C1691CAA07}"/>
+                <a16:creationId xmlns:a16="http://schemas.microsoft.com/office/drawing/2014/main" id="{9D4A32E9-21D2-6833-481E-EBBFE44BC3DF}"/>
               </a:ext>
             </a:extLst>
           </p:cNvPr>
@@ -894,7 +894,7 @@
           <p:cNvPr id="6" name="灯片编号占位符 5">
             <a:extLst>
               <a:ext uri="{FF2B5EF4-FFF2-40B4-BE49-F238E27FC236}">
-                <a16:creationId xmlns:a16="http://schemas.microsoft.com/office/drawing/2014/main" id="{8EC19191-D9B1-13A8-65C0-F770C6676F61}"/>
+                <a16:creationId xmlns:a16="http://schemas.microsoft.com/office/drawing/2014/main" id="{748F9DA0-A2EC-0617-C891-E93BD12E31EA}"/>
               </a:ext>
             </a:extLst>
           </p:cNvPr>
@@ -910,7 +910,7 @@
           <a:bodyPr/>
           <a:lstStyle/>
           <a:p>
-            <a:fld id="{396EBFD8-1769-4FA0-9237-9A55E88791A6}" type="slidenum">
+            <a:fld id="{6D944176-0804-4BFE-B13C-19A6ECF91734}" type="slidenum">
               <a:rPr lang="zh-CN" altLang="en-US" smtClean="0"/>
               <a:t>‹#›</a:t>
             </a:fld>
@@ -921,7 +921,7 @@
     </p:spTree>
     <p:extLst>
       <p:ext uri="{BB962C8B-B14F-4D97-AF65-F5344CB8AC3E}">
-        <p14:creationId xmlns:p14="http://schemas.microsoft.com/office/powerpoint/2010/main" val="3818084710"/>
+        <p14:creationId xmlns:p14="http://schemas.microsoft.com/office/powerpoint/2010/main" val="2455670347"/>
       </p:ext>
     </p:extLst>
   </p:cSld>
@@ -953,7 +953,7 @@
           <p:cNvPr id="2" name="标题 1">
             <a:extLst>
               <a:ext uri="{FF2B5EF4-FFF2-40B4-BE49-F238E27FC236}">
-                <a16:creationId xmlns:a16="http://schemas.microsoft.com/office/drawing/2014/main" id="{50CBA1AF-5438-5C7F-010E-AF603BED1B71}"/>
+                <a16:creationId xmlns:a16="http://schemas.microsoft.com/office/drawing/2014/main" id="{438E0CF0-0994-F32B-0A75-86F79453B3FA}"/>
               </a:ext>
             </a:extLst>
           </p:cNvPr>
@@ -990,7 +990,7 @@
           <p:cNvPr id="3" name="文本占位符 2">
             <a:extLst>
               <a:ext uri="{FF2B5EF4-FFF2-40B4-BE49-F238E27FC236}">
-                <a16:creationId xmlns:a16="http://schemas.microsoft.com/office/drawing/2014/main" id="{B5A7C0BC-FE1D-C0D9-01BB-D378F8BB1264}"/>
+                <a16:creationId xmlns:a16="http://schemas.microsoft.com/office/drawing/2014/main" id="{EE165F4C-A990-C5B7-FB3B-FAD3E8165CD0}"/>
               </a:ext>
             </a:extLst>
           </p:cNvPr>
@@ -1115,7 +1115,7 @@
           <p:cNvPr id="4" name="日期占位符 3">
             <a:extLst>
               <a:ext uri="{FF2B5EF4-FFF2-40B4-BE49-F238E27FC236}">
-                <a16:creationId xmlns:a16="http://schemas.microsoft.com/office/drawing/2014/main" id="{B287029C-7715-2976-EB91-1DE4F553FE43}"/>
+                <a16:creationId xmlns:a16="http://schemas.microsoft.com/office/drawing/2014/main" id="{A9D927E3-738E-361C-A4E3-C0AB498205A4}"/>
               </a:ext>
             </a:extLst>
           </p:cNvPr>
@@ -1131,7 +1131,7 @@
           <a:bodyPr/>
           <a:lstStyle/>
           <a:p>
-            <a:fld id="{9B5238CF-EC12-47C0-B55B-AD91DBC580A7}" type="datetimeFigureOut">
+            <a:fld id="{C1EB2599-6679-4F82-8205-9EA095C1738B}" type="datetimeFigureOut">
               <a:rPr lang="zh-CN" altLang="en-US" smtClean="0"/>
               <a:t>2024/3/10</a:t>
             </a:fld>
@@ -1144,7 +1144,7 @@
           <p:cNvPr id="5" name="页脚占位符 4">
             <a:extLst>
               <a:ext uri="{FF2B5EF4-FFF2-40B4-BE49-F238E27FC236}">
-                <a16:creationId xmlns:a16="http://schemas.microsoft.com/office/drawing/2014/main" id="{D1858958-3605-D112-6C6E-4A4D5A47C66B}"/>
+                <a16:creationId xmlns:a16="http://schemas.microsoft.com/office/drawing/2014/main" id="{8341B88E-B77D-92D6-0232-052F79501CC8}"/>
               </a:ext>
             </a:extLst>
           </p:cNvPr>
@@ -1169,7 +1169,7 @@
           <p:cNvPr id="6" name="灯片编号占位符 5">
             <a:extLst>
               <a:ext uri="{FF2B5EF4-FFF2-40B4-BE49-F238E27FC236}">
-                <a16:creationId xmlns:a16="http://schemas.microsoft.com/office/drawing/2014/main" id="{68881152-8F7E-B4E3-9747-E14874417FDA}"/>
+                <a16:creationId xmlns:a16="http://schemas.microsoft.com/office/drawing/2014/main" id="{67556CDD-8BC5-9145-7D47-25BBCDDE66F8}"/>
               </a:ext>
             </a:extLst>
           </p:cNvPr>
@@ -1185,7 +1185,7 @@
           <a:bodyPr/>
           <a:lstStyle/>
           <a:p>
-            <a:fld id="{396EBFD8-1769-4FA0-9237-9A55E88791A6}" type="slidenum">
+            <a:fld id="{6D944176-0804-4BFE-B13C-19A6ECF91734}" type="slidenum">
               <a:rPr lang="zh-CN" altLang="en-US" smtClean="0"/>
               <a:t>‹#›</a:t>
             </a:fld>
@@ -1196,7 +1196,7 @@
     </p:spTree>
     <p:extLst>
       <p:ext uri="{BB962C8B-B14F-4D97-AF65-F5344CB8AC3E}">
-        <p14:creationId xmlns:p14="http://schemas.microsoft.com/office/powerpoint/2010/main" val="720066053"/>
+        <p14:creationId xmlns:p14="http://schemas.microsoft.com/office/powerpoint/2010/main" val="2004922557"/>
       </p:ext>
     </p:extLst>
   </p:cSld>
@@ -1228,7 +1228,7 @@
           <p:cNvPr id="2" name="标题 1">
             <a:extLst>
               <a:ext uri="{FF2B5EF4-FFF2-40B4-BE49-F238E27FC236}">
-                <a16:creationId xmlns:a16="http://schemas.microsoft.com/office/drawing/2014/main" id="{5C7E5988-B98C-7A2E-E4B6-C692E18C622B}"/>
+                <a16:creationId xmlns:a16="http://schemas.microsoft.com/office/drawing/2014/main" id="{8075537E-5A55-0977-B743-4F7DDFAC1D24}"/>
               </a:ext>
             </a:extLst>
           </p:cNvPr>
@@ -1256,7 +1256,7 @@
           <p:cNvPr id="3" name="内容占位符 2">
             <a:extLst>
               <a:ext uri="{FF2B5EF4-FFF2-40B4-BE49-F238E27FC236}">
-                <a16:creationId xmlns:a16="http://schemas.microsoft.com/office/drawing/2014/main" id="{DA4CF60B-346B-7F28-3BBB-FA4157D04E9D}"/>
+                <a16:creationId xmlns:a16="http://schemas.microsoft.com/office/drawing/2014/main" id="{94602BF6-4D94-51E4-1F40-30EE6F437D34}"/>
               </a:ext>
             </a:extLst>
           </p:cNvPr>
@@ -1318,7 +1318,7 @@
           <p:cNvPr id="4" name="内容占位符 3">
             <a:extLst>
               <a:ext uri="{FF2B5EF4-FFF2-40B4-BE49-F238E27FC236}">
-                <a16:creationId xmlns:a16="http://schemas.microsoft.com/office/drawing/2014/main" id="{F7BA8AE6-DF9B-2D45-528B-BDDD5F1F5B93}"/>
+                <a16:creationId xmlns:a16="http://schemas.microsoft.com/office/drawing/2014/main" id="{DEAA4E2E-BAD6-5434-D7C3-136F981C8576}"/>
               </a:ext>
             </a:extLst>
           </p:cNvPr>
@@ -1380,7 +1380,7 @@
           <p:cNvPr id="5" name="日期占位符 4">
             <a:extLst>
               <a:ext uri="{FF2B5EF4-FFF2-40B4-BE49-F238E27FC236}">
-                <a16:creationId xmlns:a16="http://schemas.microsoft.com/office/drawing/2014/main" id="{657718F7-6EB2-D588-252B-10E2345C040D}"/>
+                <a16:creationId xmlns:a16="http://schemas.microsoft.com/office/drawing/2014/main" id="{2064DC03-64DC-1F76-AEB8-2412A7C788C1}"/>
               </a:ext>
             </a:extLst>
           </p:cNvPr>
@@ -1396,7 +1396,7 @@
           <a:bodyPr/>
           <a:lstStyle/>
           <a:p>
-            <a:fld id="{9B5238CF-EC12-47C0-B55B-AD91DBC580A7}" type="datetimeFigureOut">
+            <a:fld id="{C1EB2599-6679-4F82-8205-9EA095C1738B}" type="datetimeFigureOut">
               <a:rPr lang="zh-CN" altLang="en-US" smtClean="0"/>
               <a:t>2024/3/10</a:t>
             </a:fld>
@@ -1409,7 +1409,7 @@
           <p:cNvPr id="6" name="页脚占位符 5">
             <a:extLst>
               <a:ext uri="{FF2B5EF4-FFF2-40B4-BE49-F238E27FC236}">
-                <a16:creationId xmlns:a16="http://schemas.microsoft.com/office/drawing/2014/main" id="{CB68FFE2-2321-9C65-3E69-16EB7FE8EC01}"/>
+                <a16:creationId xmlns:a16="http://schemas.microsoft.com/office/drawing/2014/main" id="{96F081D6-3D34-7397-2E8D-8ADDE170AC19}"/>
               </a:ext>
             </a:extLst>
           </p:cNvPr>
@@ -1434,7 +1434,7 @@
           <p:cNvPr id="7" name="灯片编号占位符 6">
             <a:extLst>
               <a:ext uri="{FF2B5EF4-FFF2-40B4-BE49-F238E27FC236}">
-                <a16:creationId xmlns:a16="http://schemas.microsoft.com/office/drawing/2014/main" id="{9F05D327-512F-64D4-EC4E-C9B6C1FE9DD5}"/>
+                <a16:creationId xmlns:a16="http://schemas.microsoft.com/office/drawing/2014/main" id="{19FD068F-492A-C893-01A1-8D2983E0EF71}"/>
               </a:ext>
             </a:extLst>
           </p:cNvPr>
@@ -1450,7 +1450,7 @@
           <a:bodyPr/>
           <a:lstStyle/>
           <a:p>
-            <a:fld id="{396EBFD8-1769-4FA0-9237-9A55E88791A6}" type="slidenum">
+            <a:fld id="{6D944176-0804-4BFE-B13C-19A6ECF91734}" type="slidenum">
               <a:rPr lang="zh-CN" altLang="en-US" smtClean="0"/>
               <a:t>‹#›</a:t>
             </a:fld>
@@ -1461,7 +1461,7 @@
     </p:spTree>
     <p:extLst>
       <p:ext uri="{BB962C8B-B14F-4D97-AF65-F5344CB8AC3E}">
-        <p14:creationId xmlns:p14="http://schemas.microsoft.com/office/powerpoint/2010/main" val="1118377603"/>
+        <p14:creationId xmlns:p14="http://schemas.microsoft.com/office/powerpoint/2010/main" val="3855740367"/>
       </p:ext>
     </p:extLst>
   </p:cSld>
@@ -1493,7 +1493,7 @@
           <p:cNvPr id="2" name="标题 1">
             <a:extLst>
               <a:ext uri="{FF2B5EF4-FFF2-40B4-BE49-F238E27FC236}">
-                <a16:creationId xmlns:a16="http://schemas.microsoft.com/office/drawing/2014/main" id="{542887FD-163B-241B-F808-C40D2B176134}"/>
+                <a16:creationId xmlns:a16="http://schemas.microsoft.com/office/drawing/2014/main" id="{30067519-F021-210A-898B-8223343404D9}"/>
               </a:ext>
             </a:extLst>
           </p:cNvPr>
@@ -1526,7 +1526,7 @@
           <p:cNvPr id="3" name="文本占位符 2">
             <a:extLst>
               <a:ext uri="{FF2B5EF4-FFF2-40B4-BE49-F238E27FC236}">
-                <a16:creationId xmlns:a16="http://schemas.microsoft.com/office/drawing/2014/main" id="{1CC4221C-DB9F-C236-1671-3B9AFAEB00B2}"/>
+                <a16:creationId xmlns:a16="http://schemas.microsoft.com/office/drawing/2014/main" id="{02F6524B-8568-297E-BCA0-72E48E8BE035}"/>
               </a:ext>
             </a:extLst>
           </p:cNvPr>
@@ -1597,7 +1597,7 @@
           <p:cNvPr id="4" name="内容占位符 3">
             <a:extLst>
               <a:ext uri="{FF2B5EF4-FFF2-40B4-BE49-F238E27FC236}">
-                <a16:creationId xmlns:a16="http://schemas.microsoft.com/office/drawing/2014/main" id="{AA5E9FCB-18E6-EFAF-09C5-5C5FAEAC0654}"/>
+                <a16:creationId xmlns:a16="http://schemas.microsoft.com/office/drawing/2014/main" id="{28DC8B2B-9717-BBEF-4DA4-8BF121770F4E}"/>
               </a:ext>
             </a:extLst>
           </p:cNvPr>
@@ -1659,7 +1659,7 @@
           <p:cNvPr id="5" name="文本占位符 4">
             <a:extLst>
               <a:ext uri="{FF2B5EF4-FFF2-40B4-BE49-F238E27FC236}">
-                <a16:creationId xmlns:a16="http://schemas.microsoft.com/office/drawing/2014/main" id="{03381D60-9DA0-DCFC-8ABB-07CBAE96C57E}"/>
+                <a16:creationId xmlns:a16="http://schemas.microsoft.com/office/drawing/2014/main" id="{AAFCF0F2-86D4-1A9B-B337-83E2A8734CFF}"/>
               </a:ext>
             </a:extLst>
           </p:cNvPr>
@@ -1730,7 +1730,7 @@
           <p:cNvPr id="6" name="内容占位符 5">
             <a:extLst>
               <a:ext uri="{FF2B5EF4-FFF2-40B4-BE49-F238E27FC236}">
-                <a16:creationId xmlns:a16="http://schemas.microsoft.com/office/drawing/2014/main" id="{963B667A-94C2-2DA2-4349-2176A0A8CFD6}"/>
+                <a16:creationId xmlns:a16="http://schemas.microsoft.com/office/drawing/2014/main" id="{1187AE76-A4B1-6A9E-81EF-02449F6D2553}"/>
               </a:ext>
             </a:extLst>
           </p:cNvPr>
@@ -1792,7 +1792,7 @@
           <p:cNvPr id="7" name="日期占位符 6">
             <a:extLst>
               <a:ext uri="{FF2B5EF4-FFF2-40B4-BE49-F238E27FC236}">
-                <a16:creationId xmlns:a16="http://schemas.microsoft.com/office/drawing/2014/main" id="{369A54B2-A363-18C6-BE1C-DF02683A9A5F}"/>
+                <a16:creationId xmlns:a16="http://schemas.microsoft.com/office/drawing/2014/main" id="{081A7B88-6350-B233-4E76-837EA7C3718B}"/>
               </a:ext>
             </a:extLst>
           </p:cNvPr>
@@ -1808,7 +1808,7 @@
           <a:bodyPr/>
           <a:lstStyle/>
           <a:p>
-            <a:fld id="{9B5238CF-EC12-47C0-B55B-AD91DBC580A7}" type="datetimeFigureOut">
+            <a:fld id="{C1EB2599-6679-4F82-8205-9EA095C1738B}" type="datetimeFigureOut">
               <a:rPr lang="zh-CN" altLang="en-US" smtClean="0"/>
               <a:t>2024/3/10</a:t>
             </a:fld>
@@ -1821,7 +1821,7 @@
           <p:cNvPr id="8" name="页脚占位符 7">
             <a:extLst>
               <a:ext uri="{FF2B5EF4-FFF2-40B4-BE49-F238E27FC236}">
-                <a16:creationId xmlns:a16="http://schemas.microsoft.com/office/drawing/2014/main" id="{3E5A1801-5F9A-DA40-AD9E-FCF290E42A7D}"/>
+                <a16:creationId xmlns:a16="http://schemas.microsoft.com/office/drawing/2014/main" id="{5A22D893-17A8-60F8-6C03-84D83379DF57}"/>
               </a:ext>
             </a:extLst>
           </p:cNvPr>
@@ -1846,7 +1846,7 @@
           <p:cNvPr id="9" name="灯片编号占位符 8">
             <a:extLst>
               <a:ext uri="{FF2B5EF4-FFF2-40B4-BE49-F238E27FC236}">
-                <a16:creationId xmlns:a16="http://schemas.microsoft.com/office/drawing/2014/main" id="{D25FE515-E82F-DEEF-7BD4-40126952AC51}"/>
+                <a16:creationId xmlns:a16="http://schemas.microsoft.com/office/drawing/2014/main" id="{ABD46363-F6A4-A2A9-C6DD-D9F528F9ECBB}"/>
               </a:ext>
             </a:extLst>
           </p:cNvPr>
@@ -1862,7 +1862,7 @@
           <a:bodyPr/>
           <a:lstStyle/>
           <a:p>
-            <a:fld id="{396EBFD8-1769-4FA0-9237-9A55E88791A6}" type="slidenum">
+            <a:fld id="{6D944176-0804-4BFE-B13C-19A6ECF91734}" type="slidenum">
               <a:rPr lang="zh-CN" altLang="en-US" smtClean="0"/>
               <a:t>‹#›</a:t>
             </a:fld>
@@ -1873,7 +1873,7 @@
     </p:spTree>
     <p:extLst>
       <p:ext uri="{BB962C8B-B14F-4D97-AF65-F5344CB8AC3E}">
-        <p14:creationId xmlns:p14="http://schemas.microsoft.com/office/powerpoint/2010/main" val="2917306024"/>
+        <p14:creationId xmlns:p14="http://schemas.microsoft.com/office/powerpoint/2010/main" val="4147244295"/>
       </p:ext>
     </p:extLst>
   </p:cSld>
@@ -1905,7 +1905,7 @@
           <p:cNvPr id="2" name="标题 1">
             <a:extLst>
               <a:ext uri="{FF2B5EF4-FFF2-40B4-BE49-F238E27FC236}">
-                <a16:creationId xmlns:a16="http://schemas.microsoft.com/office/drawing/2014/main" id="{7304FE44-4F56-6EA7-225D-F2B541F2EA81}"/>
+                <a16:creationId xmlns:a16="http://schemas.microsoft.com/office/drawing/2014/main" id="{09AD81A9-2B17-290C-6838-45BE547DF1C7}"/>
               </a:ext>
             </a:extLst>
           </p:cNvPr>
@@ -1933,7 +1933,7 @@
           <p:cNvPr id="3" name="日期占位符 2">
             <a:extLst>
               <a:ext uri="{FF2B5EF4-FFF2-40B4-BE49-F238E27FC236}">
-                <a16:creationId xmlns:a16="http://schemas.microsoft.com/office/drawing/2014/main" id="{E3CFF6CC-9931-98C7-0998-C0B7873063E0}"/>
+                <a16:creationId xmlns:a16="http://schemas.microsoft.com/office/drawing/2014/main" id="{7BB12B44-483E-4AB6-2ACE-095C4073C085}"/>
               </a:ext>
             </a:extLst>
           </p:cNvPr>
@@ -1949,7 +1949,7 @@
           <a:bodyPr/>
           <a:lstStyle/>
           <a:p>
-            <a:fld id="{9B5238CF-EC12-47C0-B55B-AD91DBC580A7}" type="datetimeFigureOut">
+            <a:fld id="{C1EB2599-6679-4F82-8205-9EA095C1738B}" type="datetimeFigureOut">
               <a:rPr lang="zh-CN" altLang="en-US" smtClean="0"/>
               <a:t>2024/3/10</a:t>
             </a:fld>
@@ -1962,7 +1962,7 @@
           <p:cNvPr id="4" name="页脚占位符 3">
             <a:extLst>
               <a:ext uri="{FF2B5EF4-FFF2-40B4-BE49-F238E27FC236}">
-                <a16:creationId xmlns:a16="http://schemas.microsoft.com/office/drawing/2014/main" id="{F55A3016-4C40-FC6F-9F3D-FA90E1808678}"/>
+                <a16:creationId xmlns:a16="http://schemas.microsoft.com/office/drawing/2014/main" id="{ECF21338-A1E1-5F0C-F8E9-69F1CE5017EC}"/>
               </a:ext>
             </a:extLst>
           </p:cNvPr>
@@ -1987,7 +1987,7 @@
           <p:cNvPr id="5" name="灯片编号占位符 4">
             <a:extLst>
               <a:ext uri="{FF2B5EF4-FFF2-40B4-BE49-F238E27FC236}">
-                <a16:creationId xmlns:a16="http://schemas.microsoft.com/office/drawing/2014/main" id="{C8C6E26E-3674-D5E9-E3E7-5F03DAA9E4E9}"/>
+                <a16:creationId xmlns:a16="http://schemas.microsoft.com/office/drawing/2014/main" id="{99DCDB5A-99C6-A73C-A18D-449F99481FF2}"/>
               </a:ext>
             </a:extLst>
           </p:cNvPr>
@@ -2003,7 +2003,7 @@
           <a:bodyPr/>
           <a:lstStyle/>
           <a:p>
-            <a:fld id="{396EBFD8-1769-4FA0-9237-9A55E88791A6}" type="slidenum">
+            <a:fld id="{6D944176-0804-4BFE-B13C-19A6ECF91734}" type="slidenum">
               <a:rPr lang="zh-CN" altLang="en-US" smtClean="0"/>
               <a:t>‹#›</a:t>
             </a:fld>
@@ -2014,7 +2014,7 @@
     </p:spTree>
     <p:extLst>
       <p:ext uri="{BB962C8B-B14F-4D97-AF65-F5344CB8AC3E}">
-        <p14:creationId xmlns:p14="http://schemas.microsoft.com/office/powerpoint/2010/main" val="2256426293"/>
+        <p14:creationId xmlns:p14="http://schemas.microsoft.com/office/powerpoint/2010/main" val="538637576"/>
       </p:ext>
     </p:extLst>
   </p:cSld>
@@ -2046,7 +2046,7 @@
           <p:cNvPr id="2" name="日期占位符 1">
             <a:extLst>
               <a:ext uri="{FF2B5EF4-FFF2-40B4-BE49-F238E27FC236}">
-                <a16:creationId xmlns:a16="http://schemas.microsoft.com/office/drawing/2014/main" id="{7DB658A4-A298-58C4-EAB4-E79B6BB28A0E}"/>
+                <a16:creationId xmlns:a16="http://schemas.microsoft.com/office/drawing/2014/main" id="{8A42B420-BC93-146E-00FB-B20ADCFA5268}"/>
               </a:ext>
             </a:extLst>
           </p:cNvPr>
@@ -2062,7 +2062,7 @@
           <a:bodyPr/>
           <a:lstStyle/>
           <a:p>
-            <a:fld id="{9B5238CF-EC12-47C0-B55B-AD91DBC580A7}" type="datetimeFigureOut">
+            <a:fld id="{C1EB2599-6679-4F82-8205-9EA095C1738B}" type="datetimeFigureOut">
               <a:rPr lang="zh-CN" altLang="en-US" smtClean="0"/>
               <a:t>2024/3/10</a:t>
             </a:fld>
@@ -2075,7 +2075,7 @@
           <p:cNvPr id="3" name="页脚占位符 2">
             <a:extLst>
               <a:ext uri="{FF2B5EF4-FFF2-40B4-BE49-F238E27FC236}">
-                <a16:creationId xmlns:a16="http://schemas.microsoft.com/office/drawing/2014/main" id="{32792BE8-C007-B23F-5E4D-0A3C310365F0}"/>
+                <a16:creationId xmlns:a16="http://schemas.microsoft.com/office/drawing/2014/main" id="{8514531D-4377-730C-7410-7617C5EF9AB1}"/>
               </a:ext>
             </a:extLst>
           </p:cNvPr>
@@ -2100,7 +2100,7 @@
           <p:cNvPr id="4" name="灯片编号占位符 3">
             <a:extLst>
               <a:ext uri="{FF2B5EF4-FFF2-40B4-BE49-F238E27FC236}">
-                <a16:creationId xmlns:a16="http://schemas.microsoft.com/office/drawing/2014/main" id="{E4ED280A-2686-723F-45C1-E5833AAA641D}"/>
+                <a16:creationId xmlns:a16="http://schemas.microsoft.com/office/drawing/2014/main" id="{8E4EC21E-671B-CD0F-85AA-7F9D5E47D0E1}"/>
               </a:ext>
             </a:extLst>
           </p:cNvPr>
@@ -2116,7 +2116,7 @@
           <a:bodyPr/>
           <a:lstStyle/>
           <a:p>
-            <a:fld id="{396EBFD8-1769-4FA0-9237-9A55E88791A6}" type="slidenum">
+            <a:fld id="{6D944176-0804-4BFE-B13C-19A6ECF91734}" type="slidenum">
               <a:rPr lang="zh-CN" altLang="en-US" smtClean="0"/>
               <a:t>‹#›</a:t>
             </a:fld>
@@ -2127,7 +2127,7 @@
     </p:spTree>
     <p:extLst>
       <p:ext uri="{BB962C8B-B14F-4D97-AF65-F5344CB8AC3E}">
-        <p14:creationId xmlns:p14="http://schemas.microsoft.com/office/powerpoint/2010/main" val="2136835324"/>
+        <p14:creationId xmlns:p14="http://schemas.microsoft.com/office/powerpoint/2010/main" val="1974953001"/>
       </p:ext>
     </p:extLst>
   </p:cSld>
@@ -2159,7 +2159,7 @@
           <p:cNvPr id="2" name="标题 1">
             <a:extLst>
               <a:ext uri="{FF2B5EF4-FFF2-40B4-BE49-F238E27FC236}">
-                <a16:creationId xmlns:a16="http://schemas.microsoft.com/office/drawing/2014/main" id="{8BF2D5DF-E604-96FC-0395-AC9DF97816A8}"/>
+                <a16:creationId xmlns:a16="http://schemas.microsoft.com/office/drawing/2014/main" id="{BAFD713E-D800-89DE-2E74-9DF1A0431F6A}"/>
               </a:ext>
             </a:extLst>
           </p:cNvPr>
@@ -2196,7 +2196,7 @@
           <p:cNvPr id="3" name="内容占位符 2">
             <a:extLst>
               <a:ext uri="{FF2B5EF4-FFF2-40B4-BE49-F238E27FC236}">
-                <a16:creationId xmlns:a16="http://schemas.microsoft.com/office/drawing/2014/main" id="{78FFE26F-3649-F1A6-F988-EF0EDD95BB99}"/>
+                <a16:creationId xmlns:a16="http://schemas.microsoft.com/office/drawing/2014/main" id="{328CE8FD-83E5-3805-D6A9-4201FA10EBB3}"/>
               </a:ext>
             </a:extLst>
           </p:cNvPr>
@@ -2286,7 +2286,7 @@
           <p:cNvPr id="4" name="文本占位符 3">
             <a:extLst>
               <a:ext uri="{FF2B5EF4-FFF2-40B4-BE49-F238E27FC236}">
-                <a16:creationId xmlns:a16="http://schemas.microsoft.com/office/drawing/2014/main" id="{021CF6A3-71FB-3842-EC2F-85EC069913AE}"/>
+                <a16:creationId xmlns:a16="http://schemas.microsoft.com/office/drawing/2014/main" id="{DC5D6BBC-C607-AEA6-0359-689FAF3473E8}"/>
               </a:ext>
             </a:extLst>
           </p:cNvPr>
@@ -2357,7 +2357,7 @@
           <p:cNvPr id="5" name="日期占位符 4">
             <a:extLst>
               <a:ext uri="{FF2B5EF4-FFF2-40B4-BE49-F238E27FC236}">
-                <a16:creationId xmlns:a16="http://schemas.microsoft.com/office/drawing/2014/main" id="{E64191D4-E922-49AC-253A-48CB356E67D7}"/>
+                <a16:creationId xmlns:a16="http://schemas.microsoft.com/office/drawing/2014/main" id="{9AFE5D8E-5D53-6744-9E4C-F65B2FC0725E}"/>
               </a:ext>
             </a:extLst>
           </p:cNvPr>
@@ -2373,7 +2373,7 @@
           <a:bodyPr/>
           <a:lstStyle/>
           <a:p>
-            <a:fld id="{9B5238CF-EC12-47C0-B55B-AD91DBC580A7}" type="datetimeFigureOut">
+            <a:fld id="{C1EB2599-6679-4F82-8205-9EA095C1738B}" type="datetimeFigureOut">
               <a:rPr lang="zh-CN" altLang="en-US" smtClean="0"/>
               <a:t>2024/3/10</a:t>
             </a:fld>
@@ -2386,7 +2386,7 @@
           <p:cNvPr id="6" name="页脚占位符 5">
             <a:extLst>
               <a:ext uri="{FF2B5EF4-FFF2-40B4-BE49-F238E27FC236}">
-                <a16:creationId xmlns:a16="http://schemas.microsoft.com/office/drawing/2014/main" id="{8DC5C9D3-2147-FD88-1185-466AD8EFB1F7}"/>
+                <a16:creationId xmlns:a16="http://schemas.microsoft.com/office/drawing/2014/main" id="{2F141BAC-981C-DD5B-430C-610A8E20E364}"/>
               </a:ext>
             </a:extLst>
           </p:cNvPr>
@@ -2411,7 +2411,7 @@
           <p:cNvPr id="7" name="灯片编号占位符 6">
             <a:extLst>
               <a:ext uri="{FF2B5EF4-FFF2-40B4-BE49-F238E27FC236}">
-                <a16:creationId xmlns:a16="http://schemas.microsoft.com/office/drawing/2014/main" id="{01C7D96B-D53D-5167-26E8-ED71EEE636BF}"/>
+                <a16:creationId xmlns:a16="http://schemas.microsoft.com/office/drawing/2014/main" id="{9F3773DB-3B06-BD10-A542-031295652447}"/>
               </a:ext>
             </a:extLst>
           </p:cNvPr>
@@ -2427,7 +2427,7 @@
           <a:bodyPr/>
           <a:lstStyle/>
           <a:p>
-            <a:fld id="{396EBFD8-1769-4FA0-9237-9A55E88791A6}" type="slidenum">
+            <a:fld id="{6D944176-0804-4BFE-B13C-19A6ECF91734}" type="slidenum">
               <a:rPr lang="zh-CN" altLang="en-US" smtClean="0"/>
               <a:t>‹#›</a:t>
             </a:fld>
@@ -2438,7 +2438,7 @@
     </p:spTree>
     <p:extLst>
       <p:ext uri="{BB962C8B-B14F-4D97-AF65-F5344CB8AC3E}">
-        <p14:creationId xmlns:p14="http://schemas.microsoft.com/office/powerpoint/2010/main" val="1749166027"/>
+        <p14:creationId xmlns:p14="http://schemas.microsoft.com/office/powerpoint/2010/main" val="2336480553"/>
       </p:ext>
     </p:extLst>
   </p:cSld>
@@ -2470,7 +2470,7 @@
           <p:cNvPr id="2" name="标题 1">
             <a:extLst>
               <a:ext uri="{FF2B5EF4-FFF2-40B4-BE49-F238E27FC236}">
-                <a16:creationId xmlns:a16="http://schemas.microsoft.com/office/drawing/2014/main" id="{4AF600D6-9487-9A9E-89BE-2F30594CF275}"/>
+                <a16:creationId xmlns:a16="http://schemas.microsoft.com/office/drawing/2014/main" id="{462E4DE0-C7CE-A3FC-B5CE-30C2281BFCF2}"/>
               </a:ext>
             </a:extLst>
           </p:cNvPr>
@@ -2507,7 +2507,7 @@
           <p:cNvPr id="3" name="图片占位符 2">
             <a:extLst>
               <a:ext uri="{FF2B5EF4-FFF2-40B4-BE49-F238E27FC236}">
-                <a16:creationId xmlns:a16="http://schemas.microsoft.com/office/drawing/2014/main" id="{260C3A50-D3DE-BA8E-8E3F-07CC88ED7994}"/>
+                <a16:creationId xmlns:a16="http://schemas.microsoft.com/office/drawing/2014/main" id="{B6BCB613-7FE2-0C21-DC28-3100D35A303E}"/>
               </a:ext>
             </a:extLst>
           </p:cNvPr>
@@ -2574,7 +2574,7 @@
           <p:cNvPr id="4" name="文本占位符 3">
             <a:extLst>
               <a:ext uri="{FF2B5EF4-FFF2-40B4-BE49-F238E27FC236}">
-                <a16:creationId xmlns:a16="http://schemas.microsoft.com/office/drawing/2014/main" id="{4A528B0F-2DAF-FA3D-E077-56E97CD8343F}"/>
+                <a16:creationId xmlns:a16="http://schemas.microsoft.com/office/drawing/2014/main" id="{46B20435-8A91-5A4D-1AE6-1ED41BC19268}"/>
               </a:ext>
             </a:extLst>
           </p:cNvPr>
@@ -2645,7 +2645,7 @@
           <p:cNvPr id="5" name="日期占位符 4">
             <a:extLst>
               <a:ext uri="{FF2B5EF4-FFF2-40B4-BE49-F238E27FC236}">
-                <a16:creationId xmlns:a16="http://schemas.microsoft.com/office/drawing/2014/main" id="{57A2DF01-8B8C-905D-6ADB-1E135777FE8C}"/>
+                <a16:creationId xmlns:a16="http://schemas.microsoft.com/office/drawing/2014/main" id="{39DE53CF-A35B-1A89-968B-22CBF3507017}"/>
               </a:ext>
             </a:extLst>
           </p:cNvPr>
@@ -2661,7 +2661,7 @@
           <a:bodyPr/>
           <a:lstStyle/>
           <a:p>
-            <a:fld id="{9B5238CF-EC12-47C0-B55B-AD91DBC580A7}" type="datetimeFigureOut">
+            <a:fld id="{C1EB2599-6679-4F82-8205-9EA095C1738B}" type="datetimeFigureOut">
               <a:rPr lang="zh-CN" altLang="en-US" smtClean="0"/>
               <a:t>2024/3/10</a:t>
             </a:fld>
@@ -2674,7 +2674,7 @@
           <p:cNvPr id="6" name="页脚占位符 5">
             <a:extLst>
               <a:ext uri="{FF2B5EF4-FFF2-40B4-BE49-F238E27FC236}">
-                <a16:creationId xmlns:a16="http://schemas.microsoft.com/office/drawing/2014/main" id="{6FC966FF-268D-2547-C2F6-FD31A1DC1144}"/>
+                <a16:creationId xmlns:a16="http://schemas.microsoft.com/office/drawing/2014/main" id="{806043EC-3B6A-3D36-A9EB-EB5445990F0C}"/>
               </a:ext>
             </a:extLst>
           </p:cNvPr>
@@ -2699,7 +2699,7 @@
           <p:cNvPr id="7" name="灯片编号占位符 6">
             <a:extLst>
               <a:ext uri="{FF2B5EF4-FFF2-40B4-BE49-F238E27FC236}">
-                <a16:creationId xmlns:a16="http://schemas.microsoft.com/office/drawing/2014/main" id="{F7D9C452-9283-034B-BB72-912F37B5D9F3}"/>
+                <a16:creationId xmlns:a16="http://schemas.microsoft.com/office/drawing/2014/main" id="{B92B1B35-D163-8E0E-49C8-780C24F83339}"/>
               </a:ext>
             </a:extLst>
           </p:cNvPr>
@@ -2715,7 +2715,7 @@
           <a:bodyPr/>
           <a:lstStyle/>
           <a:p>
-            <a:fld id="{396EBFD8-1769-4FA0-9237-9A55E88791A6}" type="slidenum">
+            <a:fld id="{6D944176-0804-4BFE-B13C-19A6ECF91734}" type="slidenum">
               <a:rPr lang="zh-CN" altLang="en-US" smtClean="0"/>
               <a:t>‹#›</a:t>
             </a:fld>
@@ -2726,7 +2726,7 @@
     </p:spTree>
     <p:extLst>
       <p:ext uri="{BB962C8B-B14F-4D97-AF65-F5344CB8AC3E}">
-        <p14:creationId xmlns:p14="http://schemas.microsoft.com/office/powerpoint/2010/main" val="3673262677"/>
+        <p14:creationId xmlns:p14="http://schemas.microsoft.com/office/powerpoint/2010/main" val="3224430689"/>
       </p:ext>
     </p:extLst>
   </p:cSld>
@@ -2763,7 +2763,7 @@
           <p:cNvPr id="2" name="标题占位符 1">
             <a:extLst>
               <a:ext uri="{FF2B5EF4-FFF2-40B4-BE49-F238E27FC236}">
-                <a16:creationId xmlns:a16="http://schemas.microsoft.com/office/drawing/2014/main" id="{C2802F0F-02AA-1FC4-6DB5-580ED57C18F3}"/>
+                <a16:creationId xmlns:a16="http://schemas.microsoft.com/office/drawing/2014/main" id="{E3172820-DAF0-9BCA-F968-092EC652D9D1}"/>
               </a:ext>
             </a:extLst>
           </p:cNvPr>
@@ -2801,7 +2801,7 @@
           <p:cNvPr id="3" name="文本占位符 2">
             <a:extLst>
               <a:ext uri="{FF2B5EF4-FFF2-40B4-BE49-F238E27FC236}">
-                <a16:creationId xmlns:a16="http://schemas.microsoft.com/office/drawing/2014/main" id="{35C9CF71-8F27-C93D-475B-486F4AC91121}"/>
+                <a16:creationId xmlns:a16="http://schemas.microsoft.com/office/drawing/2014/main" id="{A5542903-8D04-6089-D988-645F56806F69}"/>
               </a:ext>
             </a:extLst>
           </p:cNvPr>
@@ -2868,7 +2868,7 @@
           <p:cNvPr id="4" name="日期占位符 3">
             <a:extLst>
               <a:ext uri="{FF2B5EF4-FFF2-40B4-BE49-F238E27FC236}">
-                <a16:creationId xmlns:a16="http://schemas.microsoft.com/office/drawing/2014/main" id="{E0D137C4-4E25-3B15-6FB7-BA199E2AF68D}"/>
+                <a16:creationId xmlns:a16="http://schemas.microsoft.com/office/drawing/2014/main" id="{A3768CD1-50D4-9B0B-7C89-17D299F14416}"/>
               </a:ext>
             </a:extLst>
           </p:cNvPr>
@@ -2902,7 +2902,7 @@
             </a:lvl1pPr>
           </a:lstStyle>
           <a:p>
-            <a:fld id="{9B5238CF-EC12-47C0-B55B-AD91DBC580A7}" type="datetimeFigureOut">
+            <a:fld id="{C1EB2599-6679-4F82-8205-9EA095C1738B}" type="datetimeFigureOut">
               <a:rPr lang="zh-CN" altLang="en-US" smtClean="0"/>
               <a:t>2024/3/10</a:t>
             </a:fld>
@@ -2915,7 +2915,7 @@
           <p:cNvPr id="5" name="页脚占位符 4">
             <a:extLst>
               <a:ext uri="{FF2B5EF4-FFF2-40B4-BE49-F238E27FC236}">
-                <a16:creationId xmlns:a16="http://schemas.microsoft.com/office/drawing/2014/main" id="{2E23A744-91B0-CBB3-BBEB-BB518295162C}"/>
+                <a16:creationId xmlns:a16="http://schemas.microsoft.com/office/drawing/2014/main" id="{D7522941-90AC-443D-AE32-919E21C3F8A6}"/>
               </a:ext>
             </a:extLst>
           </p:cNvPr>
@@ -2958,7 +2958,7 @@
           <p:cNvPr id="6" name="灯片编号占位符 5">
             <a:extLst>
               <a:ext uri="{FF2B5EF4-FFF2-40B4-BE49-F238E27FC236}">
-                <a16:creationId xmlns:a16="http://schemas.microsoft.com/office/drawing/2014/main" id="{E668A24E-302D-966A-5CB8-984EE11B774E}"/>
+                <a16:creationId xmlns:a16="http://schemas.microsoft.com/office/drawing/2014/main" id="{8099303D-0F01-1479-9FF9-86901A0F9F60}"/>
               </a:ext>
             </a:extLst>
           </p:cNvPr>
@@ -2992,7 +2992,7 @@
             </a:lvl1pPr>
           </a:lstStyle>
           <a:p>
-            <a:fld id="{396EBFD8-1769-4FA0-9237-9A55E88791A6}" type="slidenum">
+            <a:fld id="{6D944176-0804-4BFE-B13C-19A6ECF91734}" type="slidenum">
               <a:rPr lang="zh-CN" altLang="en-US" smtClean="0"/>
               <a:t>‹#›</a:t>
             </a:fld>
@@ -3003,7 +3003,7 @@
     </p:spTree>
     <p:extLst>
       <p:ext uri="{BB962C8B-B14F-4D97-AF65-F5344CB8AC3E}">
-        <p14:creationId xmlns:p14="http://schemas.microsoft.com/office/powerpoint/2010/main" val="3268583604"/>
+        <p14:creationId xmlns:p14="http://schemas.microsoft.com/office/powerpoint/2010/main" val="194380697"/>
       </p:ext>
     </p:extLst>
   </p:cSld>
@@ -3323,7 +3323,7 @@
       </p:grpSpPr>
       <p:pic>
         <p:nvPicPr>
-          <p:cNvPr id="442370" name="Picture 2" descr="431"/>
+          <p:cNvPr id="443394" name="Picture 2" descr="432"/>
           <p:cNvPicPr>
             <a:picLocks noChangeAspect="1" noChangeArrowheads="1"/>
           </p:cNvPicPr>
@@ -3345,7 +3345,7 @@
         <p:spPr bwMode="auto">
           <a:xfrm>
             <a:off x="1524000" y="1"/>
-            <a:ext cx="9144000" cy="6524625"/>
+            <a:ext cx="9144000" cy="6526213"/>
           </a:xfrm>
           <a:prstGeom prst="rect">
             <a:avLst/>
@@ -3375,11 +3375,158 @@
           </a:extLst>
         </p:spPr>
       </p:pic>
+      <p:pic>
+        <p:nvPicPr>
+          <p:cNvPr id="444419" name="Picture 3" descr="432-2"/>
+          <p:cNvPicPr>
+            <a:picLocks noChangeAspect="1" noChangeArrowheads="1"/>
+          </p:cNvPicPr>
+          <p:nvPr/>
+        </p:nvPicPr>
+        <p:blipFill>
+          <a:blip r:embed="rId3">
+            <a:extLst>
+              <a:ext uri="{28A0092B-C50C-407E-A947-70E740481C1C}">
+                <a14:useLocalDpi xmlns:a14="http://schemas.microsoft.com/office/drawing/2010/main" val="0"/>
+              </a:ext>
+            </a:extLst>
+          </a:blip>
+          <a:srcRect/>
+          <a:stretch>
+            <a:fillRect/>
+          </a:stretch>
+        </p:blipFill>
+        <p:spPr bwMode="auto">
+          <a:xfrm>
+            <a:off x="1524000" y="1"/>
+            <a:ext cx="9144000" cy="6670675"/>
+          </a:xfrm>
+          <a:prstGeom prst="rect">
+            <a:avLst/>
+          </a:prstGeom>
+          <a:noFill/>
+          <a:ln>
+            <a:noFill/>
+          </a:ln>
+          <a:effectLst/>
+          <a:extLst>
+            <a:ext uri="{909E8E84-426E-40DD-AFC4-6F175D3DCCD1}">
+              <a14:hiddenFill xmlns:a14="http://schemas.microsoft.com/office/drawing/2010/main">
+                <a:solidFill>
+                  <a:srgbClr val="FFFFFF"/>
+                </a:solidFill>
+              </a14:hiddenFill>
+            </a:ext>
+            <a:ext uri="{91240B29-F687-4F45-9708-019B960494DF}">
+              <a14:hiddenLine xmlns:a14="http://schemas.microsoft.com/office/drawing/2010/main" w="9525">
+                <a:solidFill>
+                  <a:srgbClr val="000000"/>
+                </a:solidFill>
+                <a:miter lim="800000"/>
+                <a:headEnd/>
+                <a:tailEnd/>
+              </a14:hiddenLine>
+            </a:ext>
+            <a:ext uri="{AF507438-7753-43E0-B8FC-AC1667EBCBE1}">
+              <a14:hiddenEffects xmlns:a14="http://schemas.microsoft.com/office/drawing/2010/main">
+                <a:effectLst>
+                  <a:outerShdw dist="35921" dir="2700000" algn="ctr" rotWithShape="0">
+                    <a:srgbClr val="808080"/>
+                  </a:outerShdw>
+                </a:effectLst>
+              </a14:hiddenEffects>
+            </a:ext>
+          </a:extLst>
+        </p:spPr>
+      </p:pic>
     </p:spTree>
   </p:cSld>
   <p:clrMapOvr>
     <a:masterClrMapping/>
   </p:clrMapOvr>
+  <p:timing>
+    <p:tnLst>
+      <p:par>
+        <p:cTn id="1" dur="indefinite" restart="never" nodeType="tmRoot">
+          <p:childTnLst>
+            <p:seq concurrent="1" nextAc="seek">
+              <p:cTn id="2" dur="indefinite" nodeType="mainSeq">
+                <p:childTnLst>
+                  <p:par>
+                    <p:cTn id="3" fill="hold" nodeType="clickPar">
+                      <p:stCondLst>
+                        <p:cond delay="indefinite"/>
+                      </p:stCondLst>
+                      <p:childTnLst>
+                        <p:par>
+                          <p:cTn id="4" fill="hold" nodeType="withGroup">
+                            <p:stCondLst>
+                              <p:cond delay="0"/>
+                            </p:stCondLst>
+                            <p:childTnLst>
+                              <p:par>
+                                <p:cTn id="5" presetID="10" presetClass="entr" presetSubtype="0" fill="hold" nodeType="clickEffect">
+                                  <p:stCondLst>
+                                    <p:cond delay="0"/>
+                                  </p:stCondLst>
+                                  <p:childTnLst>
+                                    <p:set>
+                                      <p:cBhvr>
+                                        <p:cTn id="6" dur="1" fill="hold">
+                                          <p:stCondLst>
+                                            <p:cond delay="0"/>
+                                          </p:stCondLst>
+                                        </p:cTn>
+                                        <p:tgtEl>
+                                          <p:spTgt spid="444419"/>
+                                        </p:tgtEl>
+                                        <p:attrNameLst>
+                                          <p:attrName>style.visibility</p:attrName>
+                                        </p:attrNameLst>
+                                      </p:cBhvr>
+                                      <p:to>
+                                        <p:strVal val="visible"/>
+                                      </p:to>
+                                    </p:set>
+                                    <p:animEffect transition="in" filter="fade">
+                                      <p:cBhvr>
+                                        <p:cTn id="7" dur="500"/>
+                                        <p:tgtEl>
+                                          <p:spTgt spid="444419"/>
+                                        </p:tgtEl>
+                                      </p:cBhvr>
+                                    </p:animEffect>
+                                  </p:childTnLst>
+                                </p:cTn>
+                              </p:par>
+                            </p:childTnLst>
+                          </p:cTn>
+                        </p:par>
+                      </p:childTnLst>
+                    </p:cTn>
+                  </p:par>
+                </p:childTnLst>
+              </p:cTn>
+              <p:prevCondLst>
+                <p:cond evt="onPrev" delay="0">
+                  <p:tgtEl>
+                    <p:sldTgt/>
+                  </p:tgtEl>
+                </p:cond>
+              </p:prevCondLst>
+              <p:nextCondLst>
+                <p:cond evt="onNext" delay="0">
+                  <p:tgtEl>
+                    <p:sldTgt/>
+                  </p:tgtEl>
+                </p:cond>
+              </p:nextCondLst>
+            </p:seq>
+          </p:childTnLst>
+        </p:cTn>
+      </p:par>
+    </p:tnLst>
+  </p:timing>
 </p:sld>
 </file>
 
